--- a/NACH OCR Automation/NACH AI.pptx
+++ b/NACH OCR Automation/NACH AI.pptx
@@ -5,7 +5,7 @@
     <p:sldMasterId id="2147483659" r:id="rId1"/>
   </p:sldMasterIdLst>
   <p:notesMasterIdLst>
-    <p:notesMasterId r:id="rId10"/>
+    <p:notesMasterId r:id="rId9"/>
   </p:notesMasterIdLst>
   <p:sldIdLst>
     <p:sldId id="272" r:id="rId2"/>
@@ -15,31 +15,30 @@
     <p:sldId id="279" r:id="rId6"/>
     <p:sldId id="273" r:id="rId7"/>
     <p:sldId id="281" r:id="rId8"/>
-    <p:sldId id="280" r:id="rId9"/>
   </p:sldIdLst>
   <p:sldSz cx="9144000" cy="5143500" type="screen16x9"/>
   <p:notesSz cx="6858000" cy="9144000"/>
   <p:embeddedFontLst>
     <p:embeddedFont>
       <p:font typeface="Lato" panose="020B0604020202020204" charset="0"/>
-      <p:regular r:id="rId11"/>
-      <p:bold r:id="rId12"/>
-      <p:italic r:id="rId13"/>
-      <p:boldItalic r:id="rId14"/>
+      <p:regular r:id="rId10"/>
+      <p:bold r:id="rId11"/>
+      <p:italic r:id="rId12"/>
+      <p:boldItalic r:id="rId13"/>
+    </p:embeddedFont>
+    <p:embeddedFont>
+      <p:font typeface="Calibri" panose="020F0502020204030204" pitchFamily="34" charset="0"/>
+      <p:regular r:id="rId14"/>
+      <p:bold r:id="rId15"/>
+      <p:italic r:id="rId16"/>
+      <p:boldItalic r:id="rId17"/>
     </p:embeddedFont>
     <p:embeddedFont>
       <p:font typeface="Raleway" panose="020B0604020202020204" charset="0"/>
-      <p:regular r:id="rId15"/>
-      <p:bold r:id="rId16"/>
-      <p:italic r:id="rId17"/>
-      <p:boldItalic r:id="rId18"/>
-    </p:embeddedFont>
-    <p:embeddedFont>
-      <p:font typeface="Calibri" panose="020F0502020204030204" pitchFamily="34" charset="0"/>
-      <p:regular r:id="rId19"/>
-      <p:bold r:id="rId20"/>
-      <p:italic r:id="rId21"/>
-      <p:boldItalic r:id="rId22"/>
+      <p:regular r:id="rId18"/>
+      <p:bold r:id="rId19"/>
+      <p:italic r:id="rId20"/>
+      <p:boldItalic r:id="rId21"/>
     </p:embeddedFont>
   </p:embeddedFontLst>
   <p:defaultTextStyle>
@@ -15150,14 +15149,6 @@
               </a:rPr>
               <a:t>NACH Automation</a:t>
             </a:r>
-            <a:endParaRPr lang="en-US" sz="1200" b="1" u="sng" dirty="0" smtClean="0">
-              <a:solidFill>
-                <a:schemeClr val="accent1"/>
-              </a:solidFill>
-              <a:latin typeface="Calibri" panose="020F0502020204030204" pitchFamily="34" charset="0"/>
-              <a:ea typeface="Calibri" panose="020F0502020204030204" pitchFamily="34" charset="0"/>
-              <a:cs typeface="Calibri" panose="020F0502020204030204" pitchFamily="34" charset="0"/>
-            </a:endParaRPr>
           </a:p>
           <a:p>
             <a:pPr>
@@ -15255,27 +15246,8 @@
                 <a:ea typeface="Calibri" panose="020F0502020204030204" pitchFamily="34" charset="0"/>
                 <a:cs typeface="Calibri" panose="020F0502020204030204" pitchFamily="34" charset="0"/>
               </a:rPr>
-              <a:t>Business Context | </a:t>
+              <a:t>Business Context | NACH: </a:t>
             </a:r>
-            <a:r>
-              <a:rPr lang="en-US" sz="1200" b="1" u="sng" dirty="0" smtClean="0">
-                <a:solidFill>
-                  <a:schemeClr val="accent2"/>
-                </a:solidFill>
-                <a:latin typeface="Calibri" panose="020F0502020204030204" pitchFamily="34" charset="0"/>
-                <a:ea typeface="Calibri" panose="020F0502020204030204" pitchFamily="34" charset="0"/>
-                <a:cs typeface="Calibri" panose="020F0502020204030204" pitchFamily="34" charset="0"/>
-              </a:rPr>
-              <a:t>NACH: </a:t>
-            </a:r>
-            <a:endParaRPr lang="en-US" sz="1200" b="1" u="sng" dirty="0" smtClean="0">
-              <a:solidFill>
-                <a:schemeClr val="accent2"/>
-              </a:solidFill>
-              <a:latin typeface="Calibri" panose="020F0502020204030204" pitchFamily="34" charset="0"/>
-              <a:ea typeface="Calibri" panose="020F0502020204030204" pitchFamily="34" charset="0"/>
-              <a:cs typeface="Calibri" panose="020F0502020204030204" pitchFamily="34" charset="0"/>
-            </a:endParaRPr>
           </a:p>
           <a:p>
             <a:pPr>
@@ -23056,20 +23028,7 @@
                 <a:ea typeface="Calibri" panose="020F0502020204030204" pitchFamily="34" charset="0"/>
                 <a:cs typeface="Calibri" panose="020F0502020204030204" pitchFamily="34" charset="0"/>
               </a:rPr>
-              <a:t>NACH-AI-Powered </a:t>
-            </a:r>
-            <a:r>
-              <a:rPr lang="en-US" sz="1200" b="1" dirty="0" smtClean="0">
-                <a:solidFill>
-                  <a:schemeClr val="accent5">
-                    <a:lumMod val="75000"/>
-                  </a:schemeClr>
-                </a:solidFill>
-                <a:latin typeface="Calibri" panose="020F0502020204030204" pitchFamily="34" charset="0"/>
-                <a:ea typeface="Calibri" panose="020F0502020204030204" pitchFamily="34" charset="0"/>
-                <a:cs typeface="Calibri" panose="020F0502020204030204" pitchFamily="34" charset="0"/>
-              </a:rPr>
-              <a:t>Solution</a:t>
+              <a:t>NACH-AI-Powered Solution</a:t>
             </a:r>
           </a:p>
           <a:p>
@@ -32126,16 +32085,6 @@
               </a:rPr>
               <a:t>Utilize a Large Language Model to intelligently parse extracted text, identifying and classifying key fields like account numbers, names, and mandate-specific information.</a:t>
             </a:r>
-            <a:endParaRPr lang="en-US" sz="750" dirty="0">
-              <a:solidFill>
-                <a:schemeClr val="accent5">
-                  <a:lumMod val="75000"/>
-                </a:schemeClr>
-              </a:solidFill>
-              <a:latin typeface="Calibri" panose="020F0502020204030204" pitchFamily="34" charset="0"/>
-              <a:ea typeface="Calibri" panose="020F0502020204030204" pitchFamily="34" charset="0"/>
-              <a:cs typeface="Calibri" panose="020F0502020204030204" pitchFamily="34" charset="0"/>
-            </a:endParaRPr>
           </a:p>
         </p:txBody>
       </p:sp>
@@ -42947,15 +42896,7 @@
                 <a:ea typeface="Calibri" panose="020F0502020204030204" pitchFamily="34" charset="0"/>
                 <a:cs typeface="Calibri" panose="020F0502020204030204" pitchFamily="34" charset="0"/>
               </a:rPr>
-              <a:t>NACH </a:t>
-            </a:r>
-            <a:r>
-              <a:rPr lang="en-US" sz="1000" dirty="0" smtClean="0">
-                <a:latin typeface="Calibri" panose="020F0502020204030204" pitchFamily="34" charset="0"/>
-                <a:ea typeface="Calibri" panose="020F0502020204030204" pitchFamily="34" charset="0"/>
-                <a:cs typeface="Calibri" panose="020F0502020204030204" pitchFamily="34" charset="0"/>
-              </a:rPr>
-              <a:t>document </a:t>
+              <a:t>NACH document </a:t>
             </a:r>
             <a:r>
               <a:rPr lang="en-US" sz="1000" dirty="0">
@@ -43868,601 +43809,6 @@
 </p:sld>
 </file>
 
-<file path=ppt/slides/slide8.xml><?xml version="1.0" encoding="utf-8"?>
-<p:sld xmlns:a="http://schemas.openxmlformats.org/drawingml/2006/main" xmlns:r="http://schemas.openxmlformats.org/officeDocument/2006/relationships" xmlns:p="http://schemas.openxmlformats.org/presentationml/2006/main">
-  <p:cSld>
-    <p:spTree>
-      <p:nvGrpSpPr>
-        <p:cNvPr id="1" name=""/>
-        <p:cNvGrpSpPr/>
-        <p:nvPr/>
-      </p:nvGrpSpPr>
-      <p:grpSpPr>
-        <a:xfrm>
-          <a:off x="0" y="0"/>
-          <a:ext cx="0" cy="0"/>
-          <a:chOff x="0" y="0"/>
-          <a:chExt cx="0" cy="0"/>
-        </a:xfrm>
-      </p:grpSpPr>
-      <p:sp>
-        <p:nvSpPr>
-          <p:cNvPr id="6" name="Rectangle 5"/>
-          <p:cNvSpPr/>
-          <p:nvPr/>
-        </p:nvSpPr>
-        <p:spPr>
-          <a:xfrm>
-            <a:off x="289874" y="191751"/>
-            <a:ext cx="8653806" cy="4786460"/>
-          </a:xfrm>
-          <a:prstGeom prst="rect">
-            <a:avLst/>
-          </a:prstGeom>
-          <a:noFill/>
-          <a:ln w="28575">
-            <a:solidFill>
-              <a:schemeClr val="accent2">
-                <a:lumMod val="75000"/>
-              </a:schemeClr>
-            </a:solidFill>
-          </a:ln>
-        </p:spPr>
-        <p:style>
-          <a:lnRef idx="2">
-            <a:schemeClr val="accent1">
-              <a:shade val="50000"/>
-            </a:schemeClr>
-          </a:lnRef>
-          <a:fillRef idx="1">
-            <a:schemeClr val="accent1"/>
-          </a:fillRef>
-          <a:effectRef idx="0">
-            <a:schemeClr val="accent1"/>
-          </a:effectRef>
-          <a:fontRef idx="minor">
-            <a:schemeClr val="lt1"/>
-          </a:fontRef>
-        </p:style>
-        <p:txBody>
-          <a:bodyPr rtlCol="0" anchor="ctr"/>
-          <a:lstStyle/>
-          <a:p>
-            <a:pPr algn="ctr"/>
-            <a:endParaRPr lang="en-IN" sz="1050"/>
-          </a:p>
-        </p:txBody>
-      </p:sp>
-      <p:pic>
-        <p:nvPicPr>
-          <p:cNvPr id="2" name="Picture 1"/>
-          <p:cNvPicPr>
-            <a:picLocks noChangeAspect="1"/>
-          </p:cNvPicPr>
-          <p:nvPr/>
-        </p:nvPicPr>
-        <p:blipFill rotWithShape="1">
-          <a:blip r:embed="rId2">
-            <a:extLst>
-              <a:ext uri="{28A0092B-C50C-407E-A947-70E740481C1C}">
-                <a14:useLocalDpi xmlns:a14="http://schemas.microsoft.com/office/drawing/2010/main" val="0"/>
-              </a:ext>
-            </a:extLst>
-          </a:blip>
-          <a:srcRect b="11239"/>
-          <a:stretch/>
-        </p:blipFill>
-        <p:spPr>
-          <a:xfrm>
-            <a:off x="481799" y="1699260"/>
-            <a:ext cx="4206761" cy="2255520"/>
-          </a:xfrm>
-          <a:prstGeom prst="rect">
-            <a:avLst/>
-          </a:prstGeom>
-        </p:spPr>
-      </p:pic>
-      <p:sp>
-        <p:nvSpPr>
-          <p:cNvPr id="7" name="Rectangle 6"/>
-          <p:cNvSpPr/>
-          <p:nvPr/>
-        </p:nvSpPr>
-        <p:spPr>
-          <a:xfrm flipH="1">
-            <a:off x="4762500" y="813478"/>
-            <a:ext cx="4091940" cy="3982629"/>
-          </a:xfrm>
-          <a:prstGeom prst="rect">
-            <a:avLst/>
-          </a:prstGeom>
-          <a:ln>
-            <a:noFill/>
-          </a:ln>
-        </p:spPr>
-        <p:txBody>
-          <a:bodyPr wrap="square" lIns="0" tIns="0" rIns="0" bIns="0" anchor="ctr">
-            <a:spAutoFit/>
-          </a:bodyPr>
-          <a:lstStyle/>
-          <a:p>
-            <a:pPr>
-              <a:lnSpc>
-                <a:spcPct val="120000"/>
-              </a:lnSpc>
-            </a:pPr>
-            <a:r>
-              <a:rPr lang="en-US" sz="1200" b="1" dirty="0" smtClean="0">
-                <a:solidFill>
-                  <a:schemeClr val="tx1">
-                    <a:lumMod val="75000"/>
-                  </a:schemeClr>
-                </a:solidFill>
-                <a:latin typeface="Calibri" panose="020F0502020204030204" pitchFamily="34" charset="0"/>
-                <a:ea typeface="Calibri" panose="020F0502020204030204" pitchFamily="34" charset="0"/>
-                <a:cs typeface="Calibri" panose="020F0502020204030204" pitchFamily="34" charset="0"/>
-              </a:rPr>
-              <a:t>Typical Flow – All Models [Onboarding, Propensity, </a:t>
-            </a:r>
-            <a:r>
-              <a:rPr lang="en-US" sz="1200" b="1" dirty="0" err="1" smtClean="0">
-                <a:solidFill>
-                  <a:schemeClr val="tx1">
-                    <a:lumMod val="75000"/>
-                  </a:schemeClr>
-                </a:solidFill>
-                <a:latin typeface="Calibri" panose="020F0502020204030204" pitchFamily="34" charset="0"/>
-                <a:ea typeface="Calibri" panose="020F0502020204030204" pitchFamily="34" charset="0"/>
-                <a:cs typeface="Calibri" panose="020F0502020204030204" pitchFamily="34" charset="0"/>
-              </a:rPr>
-              <a:t>Lapsation</a:t>
-            </a:r>
-            <a:r>
-              <a:rPr lang="en-US" sz="1200" b="1" dirty="0" smtClean="0">
-                <a:solidFill>
-                  <a:schemeClr val="tx1">
-                    <a:lumMod val="75000"/>
-                  </a:schemeClr>
-                </a:solidFill>
-                <a:latin typeface="Calibri" panose="020F0502020204030204" pitchFamily="34" charset="0"/>
-                <a:ea typeface="Calibri" panose="020F0502020204030204" pitchFamily="34" charset="0"/>
-                <a:cs typeface="Calibri" panose="020F0502020204030204" pitchFamily="34" charset="0"/>
-              </a:rPr>
-              <a:t>, Income Estimation etc.]</a:t>
-            </a:r>
-            <a:endParaRPr lang="en-US" sz="1200" b="1" dirty="0">
-              <a:solidFill>
-                <a:schemeClr val="tx1">
-                  <a:lumMod val="75000"/>
-                </a:schemeClr>
-              </a:solidFill>
-              <a:latin typeface="Calibri" panose="020F0502020204030204" pitchFamily="34" charset="0"/>
-              <a:ea typeface="Calibri" panose="020F0502020204030204" pitchFamily="34" charset="0"/>
-              <a:cs typeface="Calibri" panose="020F0502020204030204" pitchFamily="34" charset="0"/>
-            </a:endParaRPr>
-          </a:p>
-          <a:p>
-            <a:r>
-              <a:rPr lang="en-US" sz="1000" b="1" dirty="0">
-                <a:latin typeface="Calibri" panose="020F0502020204030204" pitchFamily="34" charset="0"/>
-                <a:ea typeface="Calibri" panose="020F0502020204030204" pitchFamily="34" charset="0"/>
-                <a:cs typeface="Calibri" panose="020F0502020204030204" pitchFamily="34" charset="0"/>
-              </a:rPr>
-              <a:t>Business Problem and Statement</a:t>
-            </a:r>
-          </a:p>
-          <a:p>
-            <a:r>
-              <a:rPr lang="en-US" sz="1000" dirty="0">
-                <a:latin typeface="Calibri" panose="020F0502020204030204" pitchFamily="34" charset="0"/>
-                <a:ea typeface="Calibri" panose="020F0502020204030204" pitchFamily="34" charset="0"/>
-                <a:cs typeface="Calibri" panose="020F0502020204030204" pitchFamily="34" charset="0"/>
-              </a:rPr>
-              <a:t>Begin by identifying a business problem and confirming that applying machine learning is an appropriate solution.</a:t>
-            </a:r>
-            <a:r>
-              <a:rPr lang="en-US" sz="1000" dirty="0" smtClean="0">
-                <a:latin typeface="Calibri" panose="020F0502020204030204" pitchFamily="34" charset="0"/>
-                <a:ea typeface="Calibri" panose="020F0502020204030204" pitchFamily="34" charset="0"/>
-                <a:cs typeface="Calibri" panose="020F0502020204030204" pitchFamily="34" charset="0"/>
-              </a:rPr>
-              <a:t>​</a:t>
-            </a:r>
-            <a:endParaRPr lang="en-US" sz="1000" dirty="0">
-              <a:latin typeface="Calibri" panose="020F0502020204030204" pitchFamily="34" charset="0"/>
-              <a:ea typeface="Calibri" panose="020F0502020204030204" pitchFamily="34" charset="0"/>
-              <a:cs typeface="Calibri" panose="020F0502020204030204" pitchFamily="34" charset="0"/>
-            </a:endParaRPr>
-          </a:p>
-          <a:p>
-            <a:r>
-              <a:rPr lang="en-US" sz="1000" b="1" dirty="0" smtClean="0">
-                <a:latin typeface="Calibri" panose="020F0502020204030204" pitchFamily="34" charset="0"/>
-                <a:ea typeface="Calibri" panose="020F0502020204030204" pitchFamily="34" charset="0"/>
-                <a:cs typeface="Calibri" panose="020F0502020204030204" pitchFamily="34" charset="0"/>
-              </a:rPr>
-              <a:t>Data </a:t>
-            </a:r>
-            <a:r>
-              <a:rPr lang="en-US" sz="1000" b="1" dirty="0">
-                <a:latin typeface="Calibri" panose="020F0502020204030204" pitchFamily="34" charset="0"/>
-                <a:ea typeface="Calibri" panose="020F0502020204030204" pitchFamily="34" charset="0"/>
-                <a:cs typeface="Calibri" panose="020F0502020204030204" pitchFamily="34" charset="0"/>
-              </a:rPr>
-              <a:t>Collection, Integration, and Cleaning</a:t>
-            </a:r>
-          </a:p>
-          <a:p>
-            <a:r>
-              <a:rPr lang="en-US" sz="1000" dirty="0">
-                <a:latin typeface="Calibri" panose="020F0502020204030204" pitchFamily="34" charset="0"/>
-                <a:ea typeface="Calibri" panose="020F0502020204030204" pitchFamily="34" charset="0"/>
-                <a:cs typeface="Calibri" panose="020F0502020204030204" pitchFamily="34" charset="0"/>
-              </a:rPr>
-              <a:t>Gather data from multiple sources, integrate it, and clean it for analysis.</a:t>
-            </a:r>
-            <a:r>
-              <a:rPr lang="en-US" sz="1000" dirty="0" smtClean="0">
-                <a:latin typeface="Calibri" panose="020F0502020204030204" pitchFamily="34" charset="0"/>
-                <a:ea typeface="Calibri" panose="020F0502020204030204" pitchFamily="34" charset="0"/>
-                <a:cs typeface="Calibri" panose="020F0502020204030204" pitchFamily="34" charset="0"/>
-              </a:rPr>
-              <a:t>​</a:t>
-            </a:r>
-            <a:endParaRPr lang="en-US" sz="1000" dirty="0">
-              <a:latin typeface="Calibri" panose="020F0502020204030204" pitchFamily="34" charset="0"/>
-              <a:ea typeface="Calibri" panose="020F0502020204030204" pitchFamily="34" charset="0"/>
-              <a:cs typeface="Calibri" panose="020F0502020204030204" pitchFamily="34" charset="0"/>
-            </a:endParaRPr>
-          </a:p>
-          <a:p>
-            <a:r>
-              <a:rPr lang="en-US" sz="1000" dirty="0">
-                <a:latin typeface="Calibri" panose="020F0502020204030204" pitchFamily="34" charset="0"/>
-                <a:ea typeface="Calibri" panose="020F0502020204030204" pitchFamily="34" charset="0"/>
-                <a:cs typeface="Calibri" panose="020F0502020204030204" pitchFamily="34" charset="0"/>
-              </a:rPr>
-              <a:t>Training sets are used to build models, validation sets assess initial model performance, and test sets evaluate how the model performs in real-world scenarios</a:t>
-            </a:r>
-            <a:r>
-              <a:rPr lang="en-US" sz="1000" dirty="0" smtClean="0">
-                <a:latin typeface="Calibri" panose="020F0502020204030204" pitchFamily="34" charset="0"/>
-                <a:ea typeface="Calibri" panose="020F0502020204030204" pitchFamily="34" charset="0"/>
-                <a:cs typeface="Calibri" panose="020F0502020204030204" pitchFamily="34" charset="0"/>
-              </a:rPr>
-              <a:t>.</a:t>
-            </a:r>
-            <a:endParaRPr lang="en-US" sz="1000" b="1" dirty="0">
-              <a:latin typeface="Calibri" panose="020F0502020204030204" pitchFamily="34" charset="0"/>
-              <a:ea typeface="Calibri" panose="020F0502020204030204" pitchFamily="34" charset="0"/>
-              <a:cs typeface="Calibri" panose="020F0502020204030204" pitchFamily="34" charset="0"/>
-            </a:endParaRPr>
-          </a:p>
-          <a:p>
-            <a:r>
-              <a:rPr lang="en-US" sz="1000" b="1" dirty="0">
-                <a:latin typeface="Calibri" panose="020F0502020204030204" pitchFamily="34" charset="0"/>
-                <a:ea typeface="Calibri" panose="020F0502020204030204" pitchFamily="34" charset="0"/>
-                <a:cs typeface="Calibri" panose="020F0502020204030204" pitchFamily="34" charset="0"/>
-              </a:rPr>
-              <a:t>Data Analysis and Visualization</a:t>
-            </a:r>
-          </a:p>
-          <a:p>
-            <a:r>
-              <a:rPr lang="en-US" sz="1000" dirty="0">
-                <a:latin typeface="Calibri" panose="020F0502020204030204" pitchFamily="34" charset="0"/>
-                <a:ea typeface="Calibri" panose="020F0502020204030204" pitchFamily="34" charset="0"/>
-                <a:cs typeface="Calibri" panose="020F0502020204030204" pitchFamily="34" charset="0"/>
-              </a:rPr>
-              <a:t>Conduct exploratory data analysis (EDA) to understand data quality, structure, discrepancies, and patterns.</a:t>
-            </a:r>
-            <a:r>
-              <a:rPr lang="en-US" sz="1000" dirty="0" smtClean="0">
-                <a:latin typeface="Calibri" panose="020F0502020204030204" pitchFamily="34" charset="0"/>
-                <a:ea typeface="Calibri" panose="020F0502020204030204" pitchFamily="34" charset="0"/>
-                <a:cs typeface="Calibri" panose="020F0502020204030204" pitchFamily="34" charset="0"/>
-              </a:rPr>
-              <a:t>​</a:t>
-            </a:r>
-            <a:endParaRPr lang="en-US" sz="1000" dirty="0">
-              <a:latin typeface="Calibri" panose="020F0502020204030204" pitchFamily="34" charset="0"/>
-              <a:ea typeface="Calibri" panose="020F0502020204030204" pitchFamily="34" charset="0"/>
-              <a:cs typeface="Calibri" panose="020F0502020204030204" pitchFamily="34" charset="0"/>
-            </a:endParaRPr>
-          </a:p>
-          <a:p>
-            <a:r>
-              <a:rPr lang="en-US" sz="1000" b="1" dirty="0" smtClean="0">
-                <a:latin typeface="Calibri" panose="020F0502020204030204" pitchFamily="34" charset="0"/>
-                <a:ea typeface="Calibri" panose="020F0502020204030204" pitchFamily="34" charset="0"/>
-                <a:cs typeface="Calibri" panose="020F0502020204030204" pitchFamily="34" charset="0"/>
-              </a:rPr>
-              <a:t>Feature </a:t>
-            </a:r>
-            <a:r>
-              <a:rPr lang="en-US" sz="1000" b="1" dirty="0">
-                <a:latin typeface="Calibri" panose="020F0502020204030204" pitchFamily="34" charset="0"/>
-                <a:ea typeface="Calibri" panose="020F0502020204030204" pitchFamily="34" charset="0"/>
-                <a:cs typeface="Calibri" panose="020F0502020204030204" pitchFamily="34" charset="0"/>
-              </a:rPr>
-              <a:t>Engineering</a:t>
-            </a:r>
-          </a:p>
-          <a:p>
-            <a:r>
-              <a:rPr lang="en-US" sz="1000" dirty="0">
-                <a:latin typeface="Calibri" panose="020F0502020204030204" pitchFamily="34" charset="0"/>
-                <a:ea typeface="Calibri" panose="020F0502020204030204" pitchFamily="34" charset="0"/>
-                <a:cs typeface="Calibri" panose="020F0502020204030204" pitchFamily="34" charset="0"/>
-              </a:rPr>
-              <a:t>Create new features by transforming, scaling, or combining existing data using statistical or machine learning techniques.</a:t>
-            </a:r>
-            <a:r>
-              <a:rPr lang="en-US" sz="1000" dirty="0" smtClean="0">
-                <a:latin typeface="Calibri" panose="020F0502020204030204" pitchFamily="34" charset="0"/>
-                <a:ea typeface="Calibri" panose="020F0502020204030204" pitchFamily="34" charset="0"/>
-                <a:cs typeface="Calibri" panose="020F0502020204030204" pitchFamily="34" charset="0"/>
-              </a:rPr>
-              <a:t>​</a:t>
-            </a:r>
-            <a:endParaRPr lang="en-US" sz="1000" dirty="0">
-              <a:latin typeface="Calibri" panose="020F0502020204030204" pitchFamily="34" charset="0"/>
-              <a:ea typeface="Calibri" panose="020F0502020204030204" pitchFamily="34" charset="0"/>
-              <a:cs typeface="Calibri" panose="020F0502020204030204" pitchFamily="34" charset="0"/>
-            </a:endParaRPr>
-          </a:p>
-          <a:p>
-            <a:r>
-              <a:rPr lang="en-US" sz="1000" b="1" dirty="0" smtClean="0">
-                <a:latin typeface="Calibri" panose="020F0502020204030204" pitchFamily="34" charset="0"/>
-                <a:ea typeface="Calibri" panose="020F0502020204030204" pitchFamily="34" charset="0"/>
-                <a:cs typeface="Calibri" panose="020F0502020204030204" pitchFamily="34" charset="0"/>
-              </a:rPr>
-              <a:t>Model </a:t>
-            </a:r>
-            <a:r>
-              <a:rPr lang="en-US" sz="1000" b="1" dirty="0">
-                <a:latin typeface="Calibri" panose="020F0502020204030204" pitchFamily="34" charset="0"/>
-                <a:ea typeface="Calibri" panose="020F0502020204030204" pitchFamily="34" charset="0"/>
-                <a:cs typeface="Calibri" panose="020F0502020204030204" pitchFamily="34" charset="0"/>
-              </a:rPr>
-              <a:t>Training and Parameter Tuning</a:t>
-            </a:r>
-          </a:p>
-          <a:p>
-            <a:r>
-              <a:rPr lang="en-US" sz="1000" dirty="0">
-                <a:latin typeface="Calibri" panose="020F0502020204030204" pitchFamily="34" charset="0"/>
-                <a:ea typeface="Calibri" panose="020F0502020204030204" pitchFamily="34" charset="0"/>
-                <a:cs typeface="Calibri" panose="020F0502020204030204" pitchFamily="34" charset="0"/>
-              </a:rPr>
-              <a:t>Train machine learning models with the available features, then tune their </a:t>
-            </a:r>
-            <a:r>
-              <a:rPr lang="en-US" sz="1000" dirty="0" err="1">
-                <a:latin typeface="Calibri" panose="020F0502020204030204" pitchFamily="34" charset="0"/>
-                <a:ea typeface="Calibri" panose="020F0502020204030204" pitchFamily="34" charset="0"/>
-                <a:cs typeface="Calibri" panose="020F0502020204030204" pitchFamily="34" charset="0"/>
-              </a:rPr>
-              <a:t>hyperparameters</a:t>
-            </a:r>
-            <a:r>
-              <a:rPr lang="en-US" sz="1000" dirty="0">
-                <a:latin typeface="Calibri" panose="020F0502020204030204" pitchFamily="34" charset="0"/>
-                <a:ea typeface="Calibri" panose="020F0502020204030204" pitchFamily="34" charset="0"/>
-                <a:cs typeface="Calibri" panose="020F0502020204030204" pitchFamily="34" charset="0"/>
-              </a:rPr>
-              <a:t> to achieve target performance metrics.​</a:t>
-            </a:r>
-          </a:p>
-          <a:p>
-            <a:r>
-              <a:rPr lang="en-US" sz="1000" b="1" dirty="0" smtClean="0">
-                <a:latin typeface="Calibri" panose="020F0502020204030204" pitchFamily="34" charset="0"/>
-                <a:ea typeface="Calibri" panose="020F0502020204030204" pitchFamily="34" charset="0"/>
-                <a:cs typeface="Calibri" panose="020F0502020204030204" pitchFamily="34" charset="0"/>
-              </a:rPr>
-              <a:t>Model </a:t>
-            </a:r>
-            <a:r>
-              <a:rPr lang="en-US" sz="1000" b="1" dirty="0">
-                <a:latin typeface="Calibri" panose="020F0502020204030204" pitchFamily="34" charset="0"/>
-                <a:ea typeface="Calibri" panose="020F0502020204030204" pitchFamily="34" charset="0"/>
-                <a:cs typeface="Calibri" panose="020F0502020204030204" pitchFamily="34" charset="0"/>
-              </a:rPr>
-              <a:t>Evaluation and Deployment</a:t>
-            </a:r>
-          </a:p>
-          <a:p>
-            <a:r>
-              <a:rPr lang="en-US" sz="1000" dirty="0">
-                <a:latin typeface="Calibri" panose="020F0502020204030204" pitchFamily="34" charset="0"/>
-                <a:ea typeface="Calibri" panose="020F0502020204030204" pitchFamily="34" charset="0"/>
-                <a:cs typeface="Calibri" panose="020F0502020204030204" pitchFamily="34" charset="0"/>
-              </a:rPr>
-              <a:t>Select the best-performing model based on evaluation results and deploy it for business use.</a:t>
-            </a:r>
-            <a:r>
-              <a:rPr lang="en-US" sz="1000" dirty="0" smtClean="0">
-                <a:latin typeface="Calibri" panose="020F0502020204030204" pitchFamily="34" charset="0"/>
-                <a:ea typeface="Calibri" panose="020F0502020204030204" pitchFamily="34" charset="0"/>
-                <a:cs typeface="Calibri" panose="020F0502020204030204" pitchFamily="34" charset="0"/>
-              </a:rPr>
-              <a:t>​</a:t>
-            </a:r>
-            <a:endParaRPr lang="en-US" sz="1000" b="1" dirty="0">
-              <a:latin typeface="Calibri" panose="020F0502020204030204" pitchFamily="34" charset="0"/>
-              <a:ea typeface="Calibri" panose="020F0502020204030204" pitchFamily="34" charset="0"/>
-              <a:cs typeface="Calibri" panose="020F0502020204030204" pitchFamily="34" charset="0"/>
-            </a:endParaRPr>
-          </a:p>
-          <a:p>
-            <a:r>
-              <a:rPr lang="en-US" sz="1000" b="1" dirty="0">
-                <a:latin typeface="Calibri" panose="020F0502020204030204" pitchFamily="34" charset="0"/>
-                <a:ea typeface="Calibri" panose="020F0502020204030204" pitchFamily="34" charset="0"/>
-                <a:cs typeface="Calibri" panose="020F0502020204030204" pitchFamily="34" charset="0"/>
-              </a:rPr>
-              <a:t>Monitoring and Debugging</a:t>
-            </a:r>
-          </a:p>
-          <a:p>
-            <a:r>
-              <a:rPr lang="en-US" sz="1000" dirty="0">
-                <a:latin typeface="Calibri" panose="020F0502020204030204" pitchFamily="34" charset="0"/>
-                <a:ea typeface="Calibri" panose="020F0502020204030204" pitchFamily="34" charset="0"/>
-                <a:cs typeface="Calibri" panose="020F0502020204030204" pitchFamily="34" charset="0"/>
-              </a:rPr>
-              <a:t>Continuously monitor the deployed model, since its performance may degrade as data and business contexts change.</a:t>
-            </a:r>
-            <a:r>
-              <a:rPr lang="en-US" sz="1000" dirty="0" smtClean="0">
-                <a:latin typeface="Calibri" panose="020F0502020204030204" pitchFamily="34" charset="0"/>
-                <a:ea typeface="Calibri" panose="020F0502020204030204" pitchFamily="34" charset="0"/>
-                <a:cs typeface="Calibri" panose="020F0502020204030204" pitchFamily="34" charset="0"/>
-              </a:rPr>
-              <a:t>​</a:t>
-            </a:r>
-            <a:endParaRPr lang="en-US" sz="1000" dirty="0">
-              <a:latin typeface="Calibri" panose="020F0502020204030204" pitchFamily="34" charset="0"/>
-              <a:ea typeface="Calibri" panose="020F0502020204030204" pitchFamily="34" charset="0"/>
-              <a:cs typeface="Calibri" panose="020F0502020204030204" pitchFamily="34" charset="0"/>
-            </a:endParaRPr>
-          </a:p>
-        </p:txBody>
-      </p:sp>
-      <p:sp>
-        <p:nvSpPr>
-          <p:cNvPr id="8" name="TextBox 7"/>
-          <p:cNvSpPr txBox="1"/>
-          <p:nvPr/>
-        </p:nvSpPr>
-        <p:spPr>
-          <a:xfrm>
-            <a:off x="1898129" y="273318"/>
-            <a:ext cx="5730136" cy="314702"/>
-          </a:xfrm>
-          <a:prstGeom prst="rect">
-            <a:avLst/>
-          </a:prstGeom>
-          <a:noFill/>
-        </p:spPr>
-        <p:txBody>
-          <a:bodyPr wrap="square" lIns="0" tIns="0" rIns="0" bIns="0" rtlCol="0">
-            <a:spAutoFit/>
-          </a:bodyPr>
-          <a:lstStyle/>
-          <a:p>
-            <a:pPr algn="ctr">
-              <a:lnSpc>
-                <a:spcPct val="75000"/>
-              </a:lnSpc>
-            </a:pPr>
-            <a:r>
-              <a:rPr lang="en-US" sz="2700" b="1" spc="-75" dirty="0" smtClean="0">
-                <a:solidFill>
-                  <a:schemeClr val="tx1"/>
-                </a:solidFill>
-                <a:latin typeface="Sora" pitchFamily="2" charset="0"/>
-                <a:ea typeface="Montserrat" charset="0"/>
-                <a:cs typeface="Sora" pitchFamily="2" charset="0"/>
-              </a:rPr>
-              <a:t>Architecture</a:t>
-            </a:r>
-            <a:r>
-              <a:rPr lang="en-US" sz="2700" b="1" spc="-75" dirty="0" smtClean="0">
-                <a:solidFill>
-                  <a:schemeClr val="accent5">
-                    <a:lumMod val="50000"/>
-                  </a:schemeClr>
-                </a:solidFill>
-                <a:latin typeface="Sora" pitchFamily="2" charset="0"/>
-                <a:ea typeface="Montserrat" charset="0"/>
-                <a:cs typeface="Sora" pitchFamily="2" charset="0"/>
-              </a:rPr>
-              <a:t> Design</a:t>
-            </a:r>
-            <a:endParaRPr lang="en-US" sz="2700" b="1" spc="-75" dirty="0">
-              <a:solidFill>
-                <a:schemeClr val="accent5">
-                  <a:lumMod val="50000"/>
-                </a:schemeClr>
-              </a:solidFill>
-              <a:latin typeface="Sora" pitchFamily="2" charset="0"/>
-              <a:ea typeface="Montserrat" charset="0"/>
-              <a:cs typeface="Sora" pitchFamily="2" charset="0"/>
-            </a:endParaRPr>
-          </a:p>
-        </p:txBody>
-      </p:sp>
-      <p:sp>
-        <p:nvSpPr>
-          <p:cNvPr id="9" name="Rectangle 8">
-            <a:extLst>
-              <a:ext uri="{FF2B5EF4-FFF2-40B4-BE49-F238E27FC236}">
-                <a16:creationId xmlns:a16="http://schemas.microsoft.com/office/drawing/2014/main" id="{245891DE-2E78-4BBA-9725-D3355845B2E3}"/>
-              </a:ext>
-            </a:extLst>
-          </p:cNvPr>
-          <p:cNvSpPr/>
-          <p:nvPr/>
-        </p:nvSpPr>
-        <p:spPr>
-          <a:xfrm>
-            <a:off x="2470005" y="588068"/>
-            <a:ext cx="4586384" cy="117276"/>
-          </a:xfrm>
-          <a:prstGeom prst="rect">
-            <a:avLst/>
-          </a:prstGeom>
-          <a:noFill/>
-        </p:spPr>
-        <p:txBody>
-          <a:bodyPr wrap="square" lIns="0" tIns="0" rIns="0" bIns="0" rtlCol="0">
-            <a:spAutoFit/>
-          </a:bodyPr>
-          <a:lstStyle/>
-          <a:p>
-            <a:pPr algn="ctr" defTabSz="428647">
-              <a:lnSpc>
-                <a:spcPct val="120000"/>
-              </a:lnSpc>
-            </a:pPr>
-            <a:r>
-              <a:rPr lang="en-US" sz="700" dirty="0" smtClean="0">
-                <a:latin typeface="Sora Light" pitchFamily="2" charset="0"/>
-                <a:cs typeface="Sora Light" pitchFamily="2" charset="0"/>
-              </a:rPr>
-              <a:t>Deep Dive into Data Science Architecture</a:t>
-            </a:r>
-            <a:endParaRPr lang="en-US" sz="700" dirty="0">
-              <a:latin typeface="Sora Light" pitchFamily="2" charset="0"/>
-              <a:cs typeface="Sora Light" pitchFamily="2" charset="0"/>
-            </a:endParaRPr>
-          </a:p>
-        </p:txBody>
-      </p:sp>
-    </p:spTree>
-    <p:extLst>
-      <p:ext uri="{BB962C8B-B14F-4D97-AF65-F5344CB8AC3E}">
-        <p14:creationId xmlns:p14="http://schemas.microsoft.com/office/powerpoint/2010/main" val="2540135305"/>
-      </p:ext>
-    </p:extLst>
-  </p:cSld>
-  <p:clrMapOvr>
-    <a:masterClrMapping/>
-  </p:clrMapOvr>
-  <p:timing>
-    <p:tnLst>
-      <p:par>
-        <p:cTn id="1" dur="indefinite" restart="never" nodeType="tmRoot"/>
-      </p:par>
-    </p:tnLst>
-  </p:timing>
-</p:sld>
-</file>
-
 <file path=ppt/theme/theme1.xml><?xml version="1.0" encoding="utf-8"?>
 <a:theme xmlns:a="http://schemas.openxmlformats.org/drawingml/2006/main" name="Streamline">
   <a:themeElements>
